--- a/문서/NoWayOutofHell 화면 기획서.pptx
+++ b/문서/NoWayOutofHell 화면 기획서.pptx
@@ -2,7 +2,7 @@
 <file path=ppt/presentation.xml><?xml version="1.0" encoding="utf-8"?>
 <p:presentation xmlns:r="http://schemas.openxmlformats.org/officeDocument/2006/relationships" xmlns:c="http://schemas.openxmlformats.org/drawingml/2006/chart" xmlns:a="http://schemas.openxmlformats.org/drawingml/2006/main" xmlns:dgm="http://schemas.openxmlformats.org/drawingml/2006/diagram" xmlns:dsp="http://schemas.microsoft.com/office/drawing/2008/diagram" xmlns:p="http://schemas.openxmlformats.org/presentationml/2006/main" strictFirstAndLastChars="0" saveSubsetFonts="1" autoCompressPictures="0">
   <p:sldMasterIdLst>
-    <p:sldMasterId id="2147483662" r:id="rId1"/>
+    <p:sldMasterId id="2147483661" r:id="rId1"/>
   </p:sldMasterIdLst>
   <p:notesMasterIdLst>
     <p:notesMasterId r:id="rId2"/>
@@ -19,6 +19,8 @@
     <p:sldId id="264" r:id="rId11"/>
     <p:sldId id="265" r:id="rId12"/>
     <p:sldId id="266" r:id="rId13"/>
+    <p:sldId id="267" r:id="rId14"/>
+    <p:sldId id="268" r:id="rId15"/>
   </p:sldIdLst>
   <p:sldSz cx="9144000" cy="5143500" type="screen16x9"/>
   <p:notesSz cx="6858000" cy="9144000"/>
@@ -825,6 +827,220 @@
       </p:grpSpPr>
       <p:sp>
         <p:nvSpPr>
+          <p:cNvPr id="134" name="Google Shape;134;g2be51da4615_0_311:notes"/>
+          <p:cNvSpPr>
+            <a:spLocks noGrp="1" noRot="1" noChangeAspect="1" noTextEdit="1"/>
+          </p:cNvSpPr>
+          <p:nvPr>
+            <p:ph type="sldImg" idx="2"/>
+          </p:nvPr>
+        </p:nvSpPr>
+        <p:spPr>
+          <a:xfrm>
+            <a:off x="381000" y="685800"/>
+            <a:ext cx="6096000" cy="3429000"/>
+          </a:xfrm>
+          <a:custGeom>
+            <a:avLst/>
+            <a:gdLst/>
+            <a:rect l="l" t="t" r="r" b="b"/>
+            <a:pathLst>
+              <a:path w="120000" h="120000" extrusionOk="0">
+                <a:moveTo>
+                  <a:pt x="0" y="0"/>
+                </a:moveTo>
+                <a:lnTo>
+                  <a:pt x="120000" y="0"/>
+                </a:lnTo>
+                <a:lnTo>
+                  <a:pt x="120000" y="120000"/>
+                </a:lnTo>
+                <a:lnTo>
+                  <a:pt x="0" y="120000"/>
+                </a:lnTo>
+                <a:close/>
+              </a:path>
+            </a:pathLst>
+          </a:custGeom>
+        </p:spPr>
+      </p:sp>
+      <p:sp>
+        <p:nvSpPr>
+          <p:cNvPr id="135" name="Google Shape;135;g2be51da4615_0_311:notes"/>
+          <p:cNvSpPr txBox="1">
+            <a:spLocks noGrp="1"/>
+          </p:cNvSpPr>
+          <p:nvPr>
+            <p:ph type="body" idx="1"/>
+          </p:nvPr>
+        </p:nvSpPr>
+        <p:spPr>
+          <a:xfrm>
+            <a:off x="685800" y="4343400"/>
+            <a:ext cx="5486400" cy="4114800"/>
+          </a:xfrm>
+          <a:prstGeom prst="rect">
+            <a:avLst/>
+          </a:prstGeom>
+        </p:spPr>
+        <p:txBody>
+          <a:bodyPr wrap="square" lIns="91424" tIns="91424" rIns="91424" bIns="91424" anchor="t" anchorCtr="0">
+            <a:noAutofit/>
+          </a:bodyPr>
+          <a:lstStyle/>
+          <a:p>
+            <a:pPr marL="0" lvl="0" indent="0" algn="l" rtl="0">
+              <a:spcBef>
+                <a:spcPts val="0"/>
+              </a:spcBef>
+              <a:spcAft>
+                <a:spcPts val="0"/>
+              </a:spcAft>
+              <a:buNone/>
+              <a:defRPr/>
+            </a:pPr>
+            <a:r>
+              <a:rPr lang="ko-KR" altLang="en-US"/>
+              <a:t/>
+            </a:r>
+            <a:endParaRPr lang="ko-KR" altLang="en-US"/>
+          </a:p>
+        </p:txBody>
+      </p:sp>
+    </p:spTree>
+  </p:cSld>
+  <p:clrMapOvr>
+    <a:masterClrMapping/>
+  </p:clrMapOvr>
+</p:notes>
+</file>
+
+<file path=ppt/notesSlides/notesSlide11.xml><?xml version="1.0" encoding="utf-8"?>
+<p:notes xmlns:r="http://schemas.openxmlformats.org/officeDocument/2006/relationships" xmlns:c="http://schemas.openxmlformats.org/drawingml/2006/chart" xmlns:a="http://schemas.openxmlformats.org/drawingml/2006/main" xmlns:dgm="http://schemas.openxmlformats.org/drawingml/2006/diagram" xmlns:dsp="http://schemas.microsoft.com/office/drawing/2008/diagram" xmlns:p="http://schemas.openxmlformats.org/presentationml/2006/main" showMasterSp="0" showMasterPhAnim="0">
+  <p:cSld>
+    <p:spTree>
+      <p:nvGrpSpPr>
+        <p:cNvPr id="1" name=""/>
+        <p:cNvGrpSpPr/>
+        <p:nvPr/>
+      </p:nvGrpSpPr>
+      <p:grpSpPr>
+        <a:xfrm>
+          <a:off x="0" y="0"/>
+          <a:ext cx="0" cy="0"/>
+          <a:chOff x="0" y="0"/>
+          <a:chExt cx="0" cy="0"/>
+        </a:xfrm>
+      </p:grpSpPr>
+      <p:sp>
+        <p:nvSpPr>
+          <p:cNvPr id="134" name="Google Shape;134;g2be51da4615_0_311:notes"/>
+          <p:cNvSpPr>
+            <a:spLocks noGrp="1" noRot="1" noChangeAspect="1" noTextEdit="1"/>
+          </p:cNvSpPr>
+          <p:nvPr>
+            <p:ph type="sldImg" idx="2"/>
+          </p:nvPr>
+        </p:nvSpPr>
+        <p:spPr>
+          <a:xfrm>
+            <a:off x="381000" y="685800"/>
+            <a:ext cx="6096000" cy="3429000"/>
+          </a:xfrm>
+          <a:custGeom>
+            <a:avLst/>
+            <a:gdLst/>
+            <a:rect l="l" t="t" r="r" b="b"/>
+            <a:pathLst>
+              <a:path w="120000" h="120000" extrusionOk="0">
+                <a:moveTo>
+                  <a:pt x="0" y="0"/>
+                </a:moveTo>
+                <a:lnTo>
+                  <a:pt x="120000" y="0"/>
+                </a:lnTo>
+                <a:lnTo>
+                  <a:pt x="120000" y="120000"/>
+                </a:lnTo>
+                <a:lnTo>
+                  <a:pt x="0" y="120000"/>
+                </a:lnTo>
+                <a:close/>
+              </a:path>
+            </a:pathLst>
+          </a:custGeom>
+        </p:spPr>
+      </p:sp>
+      <p:sp>
+        <p:nvSpPr>
+          <p:cNvPr id="135" name="Google Shape;135;g2be51da4615_0_311:notes"/>
+          <p:cNvSpPr txBox="1">
+            <a:spLocks noGrp="1"/>
+          </p:cNvSpPr>
+          <p:nvPr>
+            <p:ph type="body" idx="1"/>
+          </p:nvPr>
+        </p:nvSpPr>
+        <p:spPr>
+          <a:xfrm>
+            <a:off x="685800" y="4343400"/>
+            <a:ext cx="5486400" cy="4114800"/>
+          </a:xfrm>
+          <a:prstGeom prst="rect">
+            <a:avLst/>
+          </a:prstGeom>
+        </p:spPr>
+        <p:txBody>
+          <a:bodyPr wrap="square" lIns="91424" tIns="91424" rIns="91424" bIns="91424" anchor="t" anchorCtr="0">
+            <a:noAutofit/>
+          </a:bodyPr>
+          <a:lstStyle/>
+          <a:p>
+            <a:pPr marL="0" lvl="0" indent="0" algn="l" rtl="0">
+              <a:spcBef>
+                <a:spcPts val="0"/>
+              </a:spcBef>
+              <a:spcAft>
+                <a:spcPts val="0"/>
+              </a:spcAft>
+              <a:buNone/>
+              <a:defRPr/>
+            </a:pPr>
+            <a:r>
+              <a:rPr lang="ko-KR" altLang="en-US"/>
+              <a:t/>
+            </a:r>
+            <a:endParaRPr lang="ko-KR" altLang="en-US"/>
+          </a:p>
+        </p:txBody>
+      </p:sp>
+    </p:spTree>
+  </p:cSld>
+  <p:clrMapOvr>
+    <a:masterClrMapping/>
+  </p:clrMapOvr>
+</p:notes>
+</file>
+
+<file path=ppt/notesSlides/notesSlide12.xml><?xml version="1.0" encoding="utf-8"?>
+<p:notes xmlns:r="http://schemas.openxmlformats.org/officeDocument/2006/relationships" xmlns:c="http://schemas.openxmlformats.org/drawingml/2006/chart" xmlns:a="http://schemas.openxmlformats.org/drawingml/2006/main" xmlns:dgm="http://schemas.openxmlformats.org/drawingml/2006/diagram" xmlns:dsp="http://schemas.microsoft.com/office/drawing/2008/diagram" xmlns:p="http://schemas.openxmlformats.org/presentationml/2006/main" showMasterSp="0" showMasterPhAnim="0">
+  <p:cSld>
+    <p:spTree>
+      <p:nvGrpSpPr>
+        <p:cNvPr id="1" name=""/>
+        <p:cNvGrpSpPr/>
+        <p:nvPr/>
+      </p:nvGrpSpPr>
+      <p:grpSpPr>
+        <a:xfrm>
+          <a:off x="0" y="0"/>
+          <a:ext cx="0" cy="0"/>
+          <a:chOff x="0" y="0"/>
+          <a:chExt cx="0" cy="0"/>
+        </a:xfrm>
+      </p:grpSpPr>
+      <p:sp>
+        <p:nvSpPr>
           <p:cNvPr id="205" name="Google Shape;205;g2be51da4615_0_366:notes"/>
           <p:cNvSpPr>
             <a:spLocks noGrp="1" noRot="1" noChangeAspect="1" noTextEdit="1"/>
@@ -898,10 +1114,10 @@
               <a:defRPr/>
             </a:pPr>
             <a:r>
-              <a:rPr lang="en-US" altLang="ko-KR"/>
+              <a:rPr lang="ko-KR" altLang="en-US"/>
               <a:t/>
             </a:r>
-            <a:endParaRPr lang="en-US" altLang="ko-KR"/>
+            <a:endParaRPr lang="ko-KR" altLang="en-US"/>
           </a:p>
         </p:txBody>
       </p:sp>
@@ -913,7 +1129,7 @@
 </p:notes>
 </file>
 
-<file path=ppt/notesSlides/notesSlide11.xml><?xml version="1.0" encoding="utf-8"?>
+<file path=ppt/notesSlides/notesSlide13.xml><?xml version="1.0" encoding="utf-8"?>
 <p:notes xmlns:r="http://schemas.openxmlformats.org/officeDocument/2006/relationships" xmlns:c="http://schemas.openxmlformats.org/drawingml/2006/chart" xmlns:a="http://schemas.openxmlformats.org/drawingml/2006/main" xmlns:dgm="http://schemas.openxmlformats.org/drawingml/2006/diagram" xmlns:dsp="http://schemas.microsoft.com/office/drawing/2008/diagram" xmlns:p="http://schemas.openxmlformats.org/presentationml/2006/main" showMasterSp="0" showMasterPhAnim="0">
   <p:cSld>
     <p:spTree>
@@ -1005,10 +1221,10 @@
               <a:defRPr/>
             </a:pPr>
             <a:r>
-              <a:rPr lang="en-US" altLang="ko-KR"/>
+              <a:rPr lang="ko-KR" altLang="en-US"/>
               <a:t/>
             </a:r>
-            <a:endParaRPr lang="en-US" altLang="ko-KR"/>
+            <a:endParaRPr lang="ko-KR" altLang="en-US"/>
           </a:p>
         </p:txBody>
       </p:sp>
@@ -1647,10 +1863,10 @@
               <a:defRPr/>
             </a:pPr>
             <a:r>
-              <a:rPr lang="en-US" altLang="ko-KR"/>
+              <a:rPr lang="ko-KR" altLang="en-US"/>
               <a:t/>
             </a:r>
-            <a:endParaRPr lang="en-US" altLang="ko-KR"/>
+            <a:endParaRPr lang="ko-KR" altLang="en-US"/>
           </a:p>
         </p:txBody>
       </p:sp>
@@ -1861,10 +2077,10 @@
               <a:defRPr/>
             </a:pPr>
             <a:r>
-              <a:rPr lang="en-US" altLang="ko-KR"/>
+              <a:rPr lang="ko-KR" altLang="en-US"/>
               <a:t/>
             </a:r>
-            <a:endParaRPr lang="en-US" altLang="ko-KR"/>
+            <a:endParaRPr lang="ko-KR" altLang="en-US"/>
           </a:p>
         </p:txBody>
       </p:sp>
@@ -6761,6 +6977,2042 @@
           <a:chExt cx="0" cy="0"/>
         </a:xfrm>
       </p:grpSpPr>
+      <p:graphicFrame>
+        <p:nvGraphicFramePr>
+          <p:cNvPr id="137" name="Google Shape;137;p23"/>
+          <p:cNvGraphicFramePr/>
+          <p:nvPr/>
+        </p:nvGraphicFramePr>
+        <p:xfrm>
+          <a:off x="252000" y="231750"/>
+          <a:ext cx="8640000" cy="4689625"/>
+        </p:xfrm>
+        <a:graphic>
+          <a:graphicData uri="http://schemas.openxmlformats.org/drawingml/2006/table">
+            <a:tbl>
+              <a:tblPr>
+                <a:noFill/>
+                <a:tableStyleId>{C35AED71-FBF5-48EC-AFBA-17D411AA58C9}</a:tableStyleId>
+              </a:tblPr>
+              <a:tblGrid>
+                <a:gridCol w="1728000"/>
+                <a:gridCol w="1728000"/>
+                <a:gridCol w="1728000"/>
+                <a:gridCol w="1728000"/>
+                <a:gridCol w="1728000"/>
+              </a:tblGrid>
+              <a:tr h="385425">
+                <a:tc>
+                  <a:txBody>
+                    <a:bodyPr vert="horz" lIns="91424" tIns="91424" rIns="91424" bIns="91424" anchor="t" anchorCtr="0"/>
+                    <a:p>
+                      <a:pPr marL="0" lvl="0" indent="0" algn="l" rtl="0">
+                        <a:spcBef>
+                          <a:spcPts val="0"/>
+                        </a:spcBef>
+                        <a:spcAft>
+                          <a:spcPts val="0"/>
+                        </a:spcAft>
+                        <a:buNone/>
+                        <a:defRPr/>
+                      </a:pPr>
+                      <a:r>
+                        <a:rPr lang="ko"/>
+                        <a:t>UI 제목</a:t>
+                      </a:r>
+                      <a:endParaRPr/>
+                    </a:p>
+                  </a:txBody>
+                  <a:tcPr marL="91425" marR="91425" marT="91425" marB="91425"/>
+                </a:tc>
+                <a:tc>
+                  <a:txBody>
+                    <a:bodyPr vert="horz" lIns="91424" tIns="91424" rIns="91424" bIns="91424" anchor="t" anchorCtr="0"/>
+                    <a:p>
+                      <a:pPr marL="0" lvl="0" indent="0" algn="l" rtl="0">
+                        <a:spcBef>
+                          <a:spcPts val="0"/>
+                        </a:spcBef>
+                        <a:spcAft>
+                          <a:spcPts val="0"/>
+                        </a:spcAft>
+                        <a:buNone/>
+                        <a:defRPr/>
+                      </a:pPr>
+                      <a:r>
+                        <a:rPr lang="ko"/>
+                        <a:t>UI ID</a:t>
+                      </a:r>
+                      <a:endParaRPr/>
+                    </a:p>
+                  </a:txBody>
+                  <a:tcPr marL="91425" marR="91425" marT="91425" marB="91425"/>
+                </a:tc>
+                <a:tc>
+                  <a:txBody>
+                    <a:bodyPr vert="horz" lIns="91424" tIns="91424" rIns="91424" bIns="91424" anchor="t" anchorCtr="0"/>
+                    <a:p>
+                      <a:pPr marL="0" lvl="0" indent="0" algn="l" rtl="0">
+                        <a:spcBef>
+                          <a:spcPts val="0"/>
+                        </a:spcBef>
+                        <a:spcAft>
+                          <a:spcPts val="0"/>
+                        </a:spcAft>
+                        <a:buNone/>
+                        <a:defRPr/>
+                      </a:pPr>
+                      <a:r>
+                        <a:rPr lang="ko"/>
+                        <a:t>작성자</a:t>
+                      </a:r>
+                      <a:endParaRPr/>
+                    </a:p>
+                  </a:txBody>
+                  <a:tcPr marL="91425" marR="91425" marT="91425" marB="91425"/>
+                </a:tc>
+                <a:tc>
+                  <a:txBody>
+                    <a:bodyPr vert="horz" lIns="91424" tIns="91424" rIns="91424" bIns="91424" anchor="t" anchorCtr="0"/>
+                    <a:p>
+                      <a:pPr marL="0" lvl="0" indent="0" algn="l" rtl="0">
+                        <a:spcBef>
+                          <a:spcPts val="0"/>
+                        </a:spcBef>
+                        <a:spcAft>
+                          <a:spcPts val="0"/>
+                        </a:spcAft>
+                        <a:buNone/>
+                        <a:defRPr/>
+                      </a:pPr>
+                      <a:r>
+                        <a:rPr lang="ko">
+                          <a:solidFill>
+                            <a:schemeClr val="dk1"/>
+                          </a:solidFill>
+                        </a:rPr>
+                        <a:t>작성 날짜</a:t>
+                      </a:r>
+                      <a:endParaRPr/>
+                    </a:p>
+                  </a:txBody>
+                  <a:tcPr marL="91425" marR="91425" marT="91425" marB="91425"/>
+                </a:tc>
+                <a:tc>
+                  <a:txBody>
+                    <a:bodyPr vert="horz" lIns="91424" tIns="91424" rIns="91424" bIns="91424" anchor="t" anchorCtr="0"/>
+                    <a:p>
+                      <a:pPr marL="0" lvl="0" indent="0" algn="l" rtl="0">
+                        <a:spcBef>
+                          <a:spcPts val="0"/>
+                        </a:spcBef>
+                        <a:spcAft>
+                          <a:spcPts val="0"/>
+                        </a:spcAft>
+                        <a:buNone/>
+                        <a:defRPr/>
+                      </a:pPr>
+                      <a:r>
+                        <a:rPr lang="ko"/>
+                        <a:t>비고</a:t>
+                      </a:r>
+                      <a:endParaRPr/>
+                    </a:p>
+                  </a:txBody>
+                  <a:tcPr marL="91425" marR="91425" marT="91425" marB="91425"/>
+                </a:tc>
+              </a:tr>
+              <a:tr h="385425">
+                <a:tc>
+                  <a:txBody>
+                    <a:bodyPr vert="horz" lIns="91424" tIns="91424" rIns="91424" bIns="91424" anchor="t" anchorCtr="0"/>
+                    <a:p>
+                      <a:pPr marL="0" lvl="0" indent="0" algn="l" rtl="0">
+                        <a:spcBef>
+                          <a:spcPts val="0"/>
+                        </a:spcBef>
+                        <a:spcAft>
+                          <a:spcPts val="0"/>
+                        </a:spcAft>
+                        <a:buNone/>
+                        <a:defRPr/>
+                      </a:pPr>
+                      <a:r>
+                        <a:rPr lang="ko-KR" altLang="en-US"/>
+                        <a:t>게임화면</a:t>
+                      </a:r>
+                      <a:endParaRPr/>
+                    </a:p>
+                  </a:txBody>
+                  <a:tcPr marL="91425" marR="91425" marT="91425" marB="91425"/>
+                </a:tc>
+                <a:tc>
+                  <a:txBody>
+                    <a:bodyPr vert="horz" lIns="91424" tIns="91424" rIns="91424" bIns="91424" anchor="t" anchorCtr="0"/>
+                    <a:p>
+                      <a:pPr marL="0" lvl="0" indent="0" algn="l" rtl="0">
+                        <a:spcBef>
+                          <a:spcPts val="0"/>
+                        </a:spcBef>
+                        <a:spcAft>
+                          <a:spcPts val="0"/>
+                        </a:spcAft>
+                        <a:buNone/>
+                        <a:defRPr/>
+                      </a:pPr>
+                      <a:r>
+                        <a:rPr lang="ko"/>
+                        <a:t>M-0</a:t>
+                      </a:r>
+                      <a:r>
+                        <a:rPr lang="en-US" altLang="ko-KR"/>
+                        <a:t>2</a:t>
+                      </a:r>
+                      <a:endParaRPr lang="en-US" altLang="ko-KR"/>
+                    </a:p>
+                  </a:txBody>
+                  <a:tcPr marL="91425" marR="91425" marT="91425" marB="91425"/>
+                </a:tc>
+                <a:tc>
+                  <a:txBody>
+                    <a:bodyPr vert="horz" lIns="91424" tIns="91424" rIns="91424" bIns="91424" anchor="t" anchorCtr="0"/>
+                    <a:p>
+                      <a:pPr marL="0" lvl="0" indent="0" algn="l" rtl="0">
+                        <a:spcBef>
+                          <a:spcPts val="0"/>
+                        </a:spcBef>
+                        <a:spcAft>
+                          <a:spcPts val="0"/>
+                        </a:spcAft>
+                        <a:buNone/>
+                        <a:defRPr/>
+                      </a:pPr>
+                      <a:r>
+                        <a:rPr lang="ko-KR" altLang="en-US"/>
+                        <a:t>김상훈</a:t>
+                      </a:r>
+                      <a:endParaRPr/>
+                    </a:p>
+                  </a:txBody>
+                  <a:tcPr marL="91425" marR="91425" marT="91425" marB="91425"/>
+                </a:tc>
+                <a:tc>
+                  <a:txBody>
+                    <a:bodyPr vert="horz" lIns="91424" tIns="91424" rIns="91424" bIns="91424" anchor="t" anchorCtr="0"/>
+                    <a:p>
+                      <a:pPr marL="0" lvl="0" indent="0" algn="l" rtl="0">
+                        <a:spcBef>
+                          <a:spcPts val="0"/>
+                        </a:spcBef>
+                        <a:spcAft>
+                          <a:spcPts val="0"/>
+                        </a:spcAft>
+                        <a:buNone/>
+                        <a:defRPr/>
+                      </a:pPr>
+                      <a:r>
+                        <a:rPr lang="ko"/>
+                        <a:t>202</a:t>
+                      </a:r>
+                      <a:r>
+                        <a:rPr lang="en-US" altLang="ko-KR"/>
+                        <a:t>5-04-20</a:t>
+                      </a:r>
+                      <a:endParaRPr lang="en-US" altLang="ko-KR"/>
+                    </a:p>
+                  </a:txBody>
+                  <a:tcPr marL="91425" marR="91425" marT="91425" marB="91425"/>
+                </a:tc>
+                <a:tc rowSpan="3">
+                  <a:txBody>
+                    <a:bodyPr vert="horz" lIns="91424" tIns="91424" rIns="91424" bIns="91424" anchor="t" anchorCtr="0"/>
+                    <a:p>
+                      <a:pPr marL="0" lvl="0" indent="0" algn="l" rtl="0">
+                        <a:spcBef>
+                          <a:spcPts val="0"/>
+                        </a:spcBef>
+                        <a:spcAft>
+                          <a:spcPts val="0"/>
+                        </a:spcAft>
+                        <a:buNone/>
+                        <a:defRPr/>
+                      </a:pPr>
+                      <a:r>
+                        <a:rPr lang="ko" sz="900"/>
+                        <a:t>1</a:t>
+                      </a:r>
+                      <a:r>
+                        <a:rPr lang="en-US" altLang="ko-KR" sz="900"/>
+                        <a:t>.</a:t>
+                      </a:r>
+                      <a:r>
+                        <a:rPr lang="ko-KR" altLang="en-US" sz="900"/>
+                        <a:t> 캐릭터 이미지</a:t>
+                      </a:r>
+                      <a:endParaRPr lang="ko-KR" altLang="en-US" sz="900"/>
+                    </a:p>
+                    <a:p>
+                      <a:pPr marL="0" lvl="0" indent="0" algn="l" rtl="0">
+                        <a:spcBef>
+                          <a:spcPts val="0"/>
+                        </a:spcBef>
+                        <a:spcAft>
+                          <a:spcPts val="0"/>
+                        </a:spcAft>
+                        <a:buNone/>
+                        <a:defRPr/>
+                      </a:pPr>
+                      <a:r>
+                        <a:rPr lang="en-US" altLang="ko-KR" sz="900"/>
+                        <a:t>2. </a:t>
+                      </a:r>
+                      <a:r>
+                        <a:rPr lang="ko-KR" altLang="en-US" sz="900"/>
+                        <a:t>장전된 총알 </a:t>
+                      </a:r>
+                      <a:r>
+                        <a:rPr lang="en-US" altLang="ko-KR" sz="900"/>
+                        <a:t>/</a:t>
+                      </a:r>
+                      <a:r>
+                        <a:rPr lang="ko-KR" altLang="en-US" sz="900"/>
+                        <a:t> 남은 총알</a:t>
+                      </a:r>
+                      <a:endParaRPr lang="ko-KR" altLang="en-US" sz="900"/>
+                    </a:p>
+                    <a:p>
+                      <a:pPr marL="0" lvl="0" indent="0" algn="l" rtl="0">
+                        <a:spcBef>
+                          <a:spcPts val="0"/>
+                        </a:spcBef>
+                        <a:spcAft>
+                          <a:spcPts val="0"/>
+                        </a:spcAft>
+                        <a:buNone/>
+                        <a:defRPr/>
+                      </a:pPr>
+                      <a:endParaRPr lang="ko-KR" altLang="en-US" sz="900"/>
+                    </a:p>
+                    <a:p>
+                      <a:pPr marL="0" lvl="0" indent="0" algn="l" rtl="0">
+                        <a:spcBef>
+                          <a:spcPts val="0"/>
+                        </a:spcBef>
+                        <a:spcAft>
+                          <a:spcPts val="0"/>
+                        </a:spcAft>
+                        <a:buNone/>
+                        <a:defRPr/>
+                      </a:pPr>
+                      <a:r>
+                        <a:rPr lang="ko-KR" altLang="en-US" sz="900"/>
+                        <a:t>내 캐릭터가 </a:t>
+                      </a:r>
+                      <a:r>
+                        <a:rPr lang="en-US" altLang="ko-KR" sz="900"/>
+                        <a:t>3</a:t>
+                      </a:r>
+                      <a:r>
+                        <a:rPr lang="ko-KR" altLang="en-US" sz="900"/>
+                        <a:t>인칭으로 표시됨</a:t>
+                      </a:r>
+                      <a:endParaRPr lang="ko-KR" altLang="en-US" sz="900"/>
+                    </a:p>
+                  </a:txBody>
+                  <a:tcPr marL="91425" marR="91425" marT="91425" marB="91425"/>
+                </a:tc>
+              </a:tr>
+              <a:tr h="385425">
+                <a:tc gridSpan="4">
+                  <a:txBody>
+                    <a:bodyPr vert="horz" lIns="91424" tIns="91424" rIns="91424" bIns="91424" anchor="t" anchorCtr="0"/>
+                    <a:p>
+                      <a:pPr marL="0" lvl="0" indent="0" algn="l" rtl="0">
+                        <a:spcBef>
+                          <a:spcPts val="0"/>
+                        </a:spcBef>
+                        <a:spcAft>
+                          <a:spcPts val="0"/>
+                        </a:spcAft>
+                        <a:buNone/>
+                        <a:defRPr/>
+                      </a:pPr>
+                      <a:r>
+                        <a:rPr lang="ko"/>
+                        <a:t>UI 상세</a:t>
+                      </a:r>
+                      <a:endParaRPr/>
+                    </a:p>
+                  </a:txBody>
+                  <a:tcPr marL="91425" marR="91425" marT="91425" marB="91425"/>
+                </a:tc>
+                <a:tc hMerge="1">
+                  <a:txBody>
+                    <a:bodyPr/>
+                    <a:p>
+                      <a:pPr lvl="0">
+                        <a:defRPr/>
+                      </a:pPr>
+                      <a:endParaRPr lang="ko-KR"/>
+                    </a:p>
+                  </a:txBody>
+                  <a:tcPr marL="91440" marR="91440"/>
+                </a:tc>
+                <a:tc hMerge="1">
+                  <a:txBody>
+                    <a:bodyPr/>
+                    <a:p>
+                      <a:pPr lvl="0">
+                        <a:defRPr/>
+                      </a:pPr>
+                      <a:endParaRPr lang="ko-KR"/>
+                    </a:p>
+                  </a:txBody>
+                  <a:tcPr marL="91440" marR="91440"/>
+                </a:tc>
+                <a:tc hMerge="1">
+                  <a:txBody>
+                    <a:bodyPr/>
+                    <a:p>
+                      <a:pPr lvl="0">
+                        <a:defRPr/>
+                      </a:pPr>
+                      <a:endParaRPr lang="ko-KR"/>
+                    </a:p>
+                  </a:txBody>
+                  <a:tcPr marL="91440" marR="91440"/>
+                </a:tc>
+                <a:tc vMerge="1">
+                  <a:txBody>
+                    <a:bodyPr/>
+                    <a:p>
+                      <a:pPr lvl="0">
+                        <a:defRPr/>
+                      </a:pPr>
+                      <a:endParaRPr lang="ko-KR"/>
+                    </a:p>
+                  </a:txBody>
+                  <a:tcPr marL="91440" marR="91440"/>
+                </a:tc>
+              </a:tr>
+              <a:tr h="3519400">
+                <a:tc gridSpan="4">
+                  <a:txBody>
+                    <a:bodyPr vert="horz" lIns="91424" tIns="91424" rIns="91424" bIns="91424" anchor="t" anchorCtr="0"/>
+                    <a:p>
+                      <a:pPr marL="0" lvl="0" indent="0" algn="l" rtl="0">
+                        <a:spcBef>
+                          <a:spcPts val="0"/>
+                        </a:spcBef>
+                        <a:spcAft>
+                          <a:spcPts val="0"/>
+                        </a:spcAft>
+                        <a:buNone/>
+                        <a:defRPr/>
+                      </a:pPr>
+                      <a:endParaRPr/>
+                    </a:p>
+                  </a:txBody>
+                  <a:tcPr marL="91425" marR="91425" marT="91425" marB="91425"/>
+                </a:tc>
+                <a:tc hMerge="1">
+                  <a:txBody>
+                    <a:bodyPr/>
+                    <a:p>
+                      <a:pPr lvl="0">
+                        <a:defRPr/>
+                      </a:pPr>
+                      <a:endParaRPr lang="ko-KR"/>
+                    </a:p>
+                  </a:txBody>
+                  <a:tcPr marL="91440" marR="91440"/>
+                </a:tc>
+                <a:tc hMerge="1">
+                  <a:txBody>
+                    <a:bodyPr/>
+                    <a:p>
+                      <a:pPr lvl="0">
+                        <a:defRPr/>
+                      </a:pPr>
+                      <a:endParaRPr lang="ko-KR"/>
+                    </a:p>
+                  </a:txBody>
+                  <a:tcPr marL="91440" marR="91440"/>
+                </a:tc>
+                <a:tc hMerge="1">
+                  <a:txBody>
+                    <a:bodyPr/>
+                    <a:p>
+                      <a:pPr lvl="0">
+                        <a:defRPr/>
+                      </a:pPr>
+                      <a:endParaRPr lang="ko-KR"/>
+                    </a:p>
+                  </a:txBody>
+                  <a:tcPr marL="91440" marR="91440"/>
+                </a:tc>
+                <a:tc vMerge="1">
+                  <a:txBody>
+                    <a:bodyPr/>
+                    <a:p>
+                      <a:pPr lvl="0">
+                        <a:defRPr/>
+                      </a:pPr>
+                      <a:endParaRPr lang="ko-KR"/>
+                    </a:p>
+                  </a:txBody>
+                  <a:tcPr marL="91440" marR="91440"/>
+                </a:tc>
+              </a:tr>
+            </a:tbl>
+          </a:graphicData>
+        </a:graphic>
+      </p:graphicFrame>
+      <p:sp>
+        <p:nvSpPr>
+          <p:cNvPr id="138" name="Google Shape;138;p23"/>
+          <p:cNvSpPr/>
+          <p:nvPr/>
+        </p:nvSpPr>
+        <p:spPr>
+          <a:xfrm>
+            <a:off x="750675" y="1543075"/>
+            <a:ext cx="5760000" cy="3240000"/>
+          </a:xfrm>
+          <a:prstGeom prst="rect">
+            <a:avLst/>
+          </a:prstGeom>
+          <a:solidFill>
+            <a:srgbClr val="eeeeee"/>
+          </a:solidFill>
+          <a:ln w="9525" cap="flat" cmpd="sng">
+            <a:solidFill>
+              <a:srgbClr val="595959"/>
+            </a:solidFill>
+            <a:prstDash val="solid"/>
+            <a:round/>
+          </a:ln>
+        </p:spPr>
+        <p:txBody>
+          <a:bodyPr wrap="square" lIns="91424" tIns="91424" rIns="91424" bIns="91424" anchor="ctr" anchorCtr="0">
+            <a:noAutofit/>
+          </a:bodyPr>
+          <a:lstStyle/>
+          <a:p>
+            <a:pPr marL="0" lvl="0" indent="0" algn="l" rtl="0">
+              <a:spcBef>
+                <a:spcPts val="0"/>
+              </a:spcBef>
+              <a:spcAft>
+                <a:spcPts val="0"/>
+              </a:spcAft>
+              <a:buNone/>
+              <a:defRPr/>
+            </a:pPr>
+            <a:endParaRPr/>
+          </a:p>
+        </p:txBody>
+      </p:sp>
+      <p:sp>
+        <p:nvSpPr>
+          <p:cNvPr id="139" name=""/>
+          <p:cNvSpPr/>
+          <p:nvPr/>
+        </p:nvSpPr>
+        <p:spPr>
+          <a:xfrm>
+            <a:off x="869646" y="4336484"/>
+            <a:ext cx="378390" cy="352294"/>
+          </a:xfrm>
+          <a:prstGeom prst="rect">
+            <a:avLst/>
+          </a:prstGeom>
+          <a:solidFill>
+            <a:srgbClr val="d9d9d9"/>
+          </a:solidFill>
+          <a:ln>
+            <a:solidFill>
+              <a:srgbClr val="f2f2f2"/>
+            </a:solidFill>
+          </a:ln>
+        </p:spPr>
+        <p:style>
+          <a:lnRef idx="2">
+            <a:schemeClr val="accent1">
+              <a:shade val="20000"/>
+            </a:schemeClr>
+          </a:lnRef>
+          <a:fillRef idx="1">
+            <a:schemeClr val="accent1"/>
+          </a:fillRef>
+          <a:effectRef idx="0">
+            <a:schemeClr val="accent1"/>
+          </a:effectRef>
+          <a:fontRef idx="minor">
+            <a:schemeClr val="lt1"/>
+          </a:fontRef>
+        </p:style>
+        <p:txBody>
+          <a:bodyPr anchor="ctr"/>
+          <a:p>
+            <a:pPr algn="ctr">
+              <a:defRPr/>
+            </a:pPr>
+            <a:r>
+              <a:rPr lang="en-US" altLang="ko-KR">
+                <a:solidFill>
+                  <a:schemeClr val="tx1"/>
+                </a:solidFill>
+              </a:rPr>
+              <a:t>1</a:t>
+            </a:r>
+            <a:endParaRPr lang="en-US" altLang="ko-KR">
+              <a:solidFill>
+                <a:schemeClr val="tx1"/>
+              </a:solidFill>
+            </a:endParaRPr>
+          </a:p>
+        </p:txBody>
+      </p:sp>
+      <p:sp>
+        <p:nvSpPr>
+          <p:cNvPr id="140" name=""/>
+          <p:cNvSpPr/>
+          <p:nvPr/>
+        </p:nvSpPr>
+        <p:spPr>
+          <a:xfrm>
+            <a:off x="1263433" y="4377976"/>
+            <a:ext cx="854640" cy="306626"/>
+          </a:xfrm>
+          <a:prstGeom prst="rect">
+            <a:avLst/>
+          </a:prstGeom>
+          <a:solidFill>
+            <a:srgbClr val="289b6e"/>
+          </a:solidFill>
+          <a:ln>
+            <a:solidFill>
+              <a:srgbClr val="f2f2f2"/>
+            </a:solidFill>
+          </a:ln>
+        </p:spPr>
+        <p:style>
+          <a:lnRef idx="2">
+            <a:schemeClr val="accent1">
+              <a:shade val="20000"/>
+            </a:schemeClr>
+          </a:lnRef>
+          <a:fillRef idx="1">
+            <a:schemeClr val="accent1"/>
+          </a:fillRef>
+          <a:effectRef idx="0">
+            <a:schemeClr val="accent1"/>
+          </a:effectRef>
+          <a:fontRef idx="minor">
+            <a:schemeClr val="lt1"/>
+          </a:fontRef>
+        </p:style>
+        <p:txBody>
+          <a:bodyPr anchor="ctr"/>
+          <a:lstStyle/>
+          <a:p>
+            <a:pPr algn="ctr">
+              <a:defRPr/>
+            </a:pPr>
+            <a:r>
+              <a:rPr lang="ko-KR" altLang="en-US" sz="1200">
+                <a:solidFill>
+                  <a:schemeClr val="tx1"/>
+                </a:solidFill>
+              </a:rPr>
+              <a:t>체력</a:t>
+            </a:r>
+            <a:r>
+              <a:rPr lang="en-US" altLang="ko-KR" sz="1200">
+                <a:solidFill>
+                  <a:schemeClr val="tx1"/>
+                </a:solidFill>
+              </a:rPr>
+              <a:t>/</a:t>
+            </a:r>
+            <a:r>
+              <a:rPr lang="ko-KR" altLang="en-US" sz="1200">
+                <a:solidFill>
+                  <a:schemeClr val="tx1"/>
+                </a:solidFill>
+              </a:rPr>
+              <a:t>체력</a:t>
+            </a:r>
+            <a:endParaRPr lang="ko-KR" altLang="en-US" sz="1200">
+              <a:solidFill>
+                <a:schemeClr val="tx1"/>
+              </a:solidFill>
+            </a:endParaRPr>
+          </a:p>
+        </p:txBody>
+      </p:sp>
+      <p:sp>
+        <p:nvSpPr>
+          <p:cNvPr id="142" name=""/>
+          <p:cNvSpPr/>
+          <p:nvPr/>
+        </p:nvSpPr>
+        <p:spPr>
+          <a:xfrm>
+            <a:off x="1194931" y="2137905"/>
+            <a:ext cx="495821" cy="1454846"/>
+          </a:xfrm>
+          <a:prstGeom prst="ellipse">
+            <a:avLst/>
+          </a:prstGeom>
+          <a:solidFill>
+            <a:srgbClr val="bfbfbf"/>
+          </a:solidFill>
+          <a:ln>
+            <a:solidFill>
+              <a:srgbClr val="f2f2f2"/>
+            </a:solidFill>
+          </a:ln>
+        </p:spPr>
+        <p:style>
+          <a:lnRef idx="2">
+            <a:schemeClr val="accent1">
+              <a:shade val="20000"/>
+            </a:schemeClr>
+          </a:lnRef>
+          <a:fillRef idx="1">
+            <a:schemeClr val="accent1"/>
+          </a:fillRef>
+          <a:effectRef idx="0">
+            <a:schemeClr val="accent1"/>
+          </a:effectRef>
+          <a:fontRef idx="minor">
+            <a:schemeClr val="lt1"/>
+          </a:fontRef>
+        </p:style>
+        <p:txBody>
+          <a:bodyPr anchor="ctr"/>
+          <a:lstStyle/>
+          <a:p>
+            <a:pPr algn="ctr">
+              <a:defRPr/>
+            </a:pPr>
+            <a:r>
+              <a:rPr lang="ko-KR" altLang="en-US">
+                <a:solidFill>
+                  <a:srgbClr val="ff0000"/>
+                </a:solidFill>
+              </a:rPr>
+              <a:t>적</a:t>
+            </a:r>
+            <a:endParaRPr lang="ko-KR" altLang="en-US">
+              <a:solidFill>
+                <a:srgbClr val="ff0000"/>
+              </a:solidFill>
+            </a:endParaRPr>
+          </a:p>
+        </p:txBody>
+      </p:sp>
+      <p:sp>
+        <p:nvSpPr>
+          <p:cNvPr id="143" name=""/>
+          <p:cNvSpPr/>
+          <p:nvPr/>
+        </p:nvSpPr>
+        <p:spPr>
+          <a:xfrm>
+            <a:off x="2502074" y="1611812"/>
+            <a:ext cx="495821" cy="1454846"/>
+          </a:xfrm>
+          <a:prstGeom prst="ellipse">
+            <a:avLst/>
+          </a:prstGeom>
+          <a:solidFill>
+            <a:srgbClr val="bfbfbf"/>
+          </a:solidFill>
+          <a:ln>
+            <a:solidFill>
+              <a:srgbClr val="f2f2f2"/>
+            </a:solidFill>
+          </a:ln>
+        </p:spPr>
+        <p:style>
+          <a:lnRef idx="2">
+            <a:schemeClr val="accent1">
+              <a:shade val="20000"/>
+            </a:schemeClr>
+          </a:lnRef>
+          <a:fillRef idx="1">
+            <a:schemeClr val="accent1"/>
+          </a:fillRef>
+          <a:effectRef idx="0">
+            <a:schemeClr val="accent1"/>
+          </a:effectRef>
+          <a:fontRef idx="minor">
+            <a:schemeClr val="lt1"/>
+          </a:fontRef>
+        </p:style>
+        <p:txBody>
+          <a:bodyPr anchor="ctr"/>
+          <a:lstStyle/>
+          <a:p>
+            <a:pPr algn="ctr">
+              <a:defRPr/>
+            </a:pPr>
+            <a:r>
+              <a:rPr lang="ko-KR" altLang="en-US">
+                <a:solidFill>
+                  <a:srgbClr val="ff0000"/>
+                </a:solidFill>
+              </a:rPr>
+              <a:t>적</a:t>
+            </a:r>
+            <a:endParaRPr lang="ko-KR" altLang="en-US">
+              <a:solidFill>
+                <a:srgbClr val="ff0000"/>
+              </a:solidFill>
+            </a:endParaRPr>
+          </a:p>
+        </p:txBody>
+      </p:sp>
+      <p:sp>
+        <p:nvSpPr>
+          <p:cNvPr id="144" name=""/>
+          <p:cNvSpPr/>
+          <p:nvPr/>
+        </p:nvSpPr>
+        <p:spPr>
+          <a:xfrm>
+            <a:off x="5163854" y="2068490"/>
+            <a:ext cx="495821" cy="1454846"/>
+          </a:xfrm>
+          <a:prstGeom prst="ellipse">
+            <a:avLst/>
+          </a:prstGeom>
+          <a:solidFill>
+            <a:srgbClr val="bfbfbf"/>
+          </a:solidFill>
+          <a:ln>
+            <a:solidFill>
+              <a:srgbClr val="f2f2f2"/>
+            </a:solidFill>
+          </a:ln>
+        </p:spPr>
+        <p:style>
+          <a:lnRef idx="2">
+            <a:schemeClr val="accent1">
+              <a:shade val="20000"/>
+            </a:schemeClr>
+          </a:lnRef>
+          <a:fillRef idx="1">
+            <a:schemeClr val="accent1"/>
+          </a:fillRef>
+          <a:effectRef idx="0">
+            <a:schemeClr val="accent1"/>
+          </a:effectRef>
+          <a:fontRef idx="minor">
+            <a:schemeClr val="lt1"/>
+          </a:fontRef>
+        </p:style>
+        <p:txBody>
+          <a:bodyPr anchor="ctr"/>
+          <a:lstStyle/>
+          <a:p>
+            <a:pPr algn="ctr">
+              <a:defRPr/>
+            </a:pPr>
+            <a:r>
+              <a:rPr lang="ko-KR" altLang="en-US">
+                <a:solidFill>
+                  <a:srgbClr val="ff0000"/>
+                </a:solidFill>
+              </a:rPr>
+              <a:t>적</a:t>
+            </a:r>
+            <a:endParaRPr lang="ko-KR" altLang="en-US">
+              <a:solidFill>
+                <a:srgbClr val="ff0000"/>
+              </a:solidFill>
+            </a:endParaRPr>
+          </a:p>
+        </p:txBody>
+      </p:sp>
+      <p:sp>
+        <p:nvSpPr>
+          <p:cNvPr id="145" name=""/>
+          <p:cNvSpPr/>
+          <p:nvPr/>
+        </p:nvSpPr>
+        <p:spPr>
+          <a:xfrm>
+            <a:off x="5901697" y="4295326"/>
+            <a:ext cx="378390" cy="352294"/>
+          </a:xfrm>
+          <a:prstGeom prst="rect">
+            <a:avLst/>
+          </a:prstGeom>
+          <a:solidFill>
+            <a:srgbClr val="d9d9d9"/>
+          </a:solidFill>
+          <a:ln>
+            <a:solidFill>
+              <a:srgbClr val="f2f2f2"/>
+            </a:solidFill>
+          </a:ln>
+        </p:spPr>
+        <p:style>
+          <a:lnRef idx="2">
+            <a:schemeClr val="accent1">
+              <a:shade val="20000"/>
+            </a:schemeClr>
+          </a:lnRef>
+          <a:fillRef idx="1">
+            <a:schemeClr val="accent1"/>
+          </a:fillRef>
+          <a:effectRef idx="0">
+            <a:schemeClr val="accent1"/>
+          </a:effectRef>
+          <a:fontRef idx="minor">
+            <a:schemeClr val="lt1"/>
+          </a:fontRef>
+        </p:style>
+        <p:txBody>
+          <a:bodyPr anchor="ctr"/>
+          <a:lstStyle/>
+          <a:p>
+            <a:pPr algn="ctr">
+              <a:defRPr/>
+            </a:pPr>
+            <a:r>
+              <a:rPr lang="en-US" altLang="ko-KR">
+                <a:solidFill>
+                  <a:schemeClr val="tx1"/>
+                </a:solidFill>
+              </a:rPr>
+              <a:t>2</a:t>
+            </a:r>
+            <a:endParaRPr lang="en-US" altLang="ko-KR">
+              <a:solidFill>
+                <a:schemeClr val="tx1"/>
+              </a:solidFill>
+            </a:endParaRPr>
+          </a:p>
+        </p:txBody>
+      </p:sp>
+      <p:sp>
+        <p:nvSpPr>
+          <p:cNvPr id="146" name=""/>
+          <p:cNvSpPr/>
+          <p:nvPr/>
+        </p:nvSpPr>
+        <p:spPr>
+          <a:xfrm>
+            <a:off x="3361122" y="3234662"/>
+            <a:ext cx="495821" cy="1454846"/>
+          </a:xfrm>
+          <a:prstGeom prst="ellipse">
+            <a:avLst/>
+          </a:prstGeom>
+          <a:solidFill>
+            <a:srgbClr val="bfbfbf"/>
+          </a:solidFill>
+          <a:ln>
+            <a:solidFill>
+              <a:srgbClr val="f2f2f2"/>
+            </a:solidFill>
+          </a:ln>
+        </p:spPr>
+        <p:style>
+          <a:lnRef idx="2">
+            <a:schemeClr val="accent1">
+              <a:shade val="20000"/>
+            </a:schemeClr>
+          </a:lnRef>
+          <a:fillRef idx="1">
+            <a:schemeClr val="accent1"/>
+          </a:fillRef>
+          <a:effectRef idx="0">
+            <a:schemeClr val="accent1"/>
+          </a:effectRef>
+          <a:fontRef idx="minor">
+            <a:schemeClr val="lt1"/>
+          </a:fontRef>
+        </p:style>
+        <p:txBody>
+          <a:bodyPr anchor="ctr"/>
+          <a:lstStyle/>
+          <a:p>
+            <a:pPr algn="ctr">
+              <a:defRPr/>
+            </a:pPr>
+            <a:r>
+              <a:rPr lang="ko-KR" altLang="en-US">
+                <a:solidFill>
+                  <a:schemeClr val="tx1"/>
+                </a:solidFill>
+              </a:rPr>
+              <a:t>내 캐릭터</a:t>
+            </a:r>
+            <a:endParaRPr lang="ko-KR" altLang="en-US">
+              <a:solidFill>
+                <a:schemeClr val="tx1"/>
+              </a:solidFill>
+            </a:endParaRPr>
+          </a:p>
+        </p:txBody>
+      </p:sp>
+    </p:spTree>
+  </p:cSld>
+  <p:clrMapOvr>
+    <a:masterClrMapping/>
+  </p:clrMapOvr>
+  <mc:AlternateContent xmlns:mc="http://schemas.openxmlformats.org/markup-compatibility/2006">
+    <mc:Choice xmlns:p14="http://schemas.microsoft.com/office/powerpoint/2010/main" Requires="p14">
+      <p:transition xmlns:mc="http://schemas.openxmlformats.org/markup-compatibility/2006" xmlns:p14="http://schemas.microsoft.com/office/powerpoint/2010/main" mc:Ignorable="p14" p14:dur="500"/>
+    </mc:Choice>
+    <mc:Fallback>
+      <p:transition/>
+    </mc:Fallback>
+  </mc:AlternateContent>
+</p:sld>
+</file>
+
+<file path=ppt/slides/slide11.xml><?xml version="1.0" encoding="utf-8"?>
+<p:sld xmlns:r="http://schemas.openxmlformats.org/officeDocument/2006/relationships" xmlns:c="http://schemas.openxmlformats.org/drawingml/2006/chart" xmlns:a="http://schemas.openxmlformats.org/drawingml/2006/main" xmlns:dgm="http://schemas.openxmlformats.org/drawingml/2006/diagram" xmlns:dsp="http://schemas.microsoft.com/office/drawing/2008/diagram" xmlns:p="http://schemas.openxmlformats.org/presentationml/2006/main">
+  <p:cSld>
+    <p:spTree>
+      <p:nvGrpSpPr>
+        <p:cNvPr id="1" name=""/>
+        <p:cNvGrpSpPr/>
+        <p:nvPr/>
+      </p:nvGrpSpPr>
+      <p:grpSpPr>
+        <a:xfrm>
+          <a:off x="0" y="0"/>
+          <a:ext cx="0" cy="0"/>
+          <a:chOff x="0" y="0"/>
+          <a:chExt cx="0" cy="0"/>
+        </a:xfrm>
+      </p:grpSpPr>
+      <p:graphicFrame>
+        <p:nvGraphicFramePr>
+          <p:cNvPr id="137" name="Google Shape;137;p23"/>
+          <p:cNvGraphicFramePr/>
+          <p:nvPr/>
+        </p:nvGraphicFramePr>
+        <p:xfrm>
+          <a:off x="252000" y="231750"/>
+          <a:ext cx="8640000" cy="4689625"/>
+        </p:xfrm>
+        <a:graphic>
+          <a:graphicData uri="http://schemas.openxmlformats.org/drawingml/2006/table">
+            <a:tbl>
+              <a:tblPr>
+                <a:noFill/>
+                <a:tableStyleId>{C35AED71-FBF5-48EC-AFBA-17D411AA58C9}</a:tableStyleId>
+              </a:tblPr>
+              <a:tblGrid>
+                <a:gridCol w="1728000"/>
+                <a:gridCol w="1728000"/>
+                <a:gridCol w="1728000"/>
+                <a:gridCol w="1728000"/>
+                <a:gridCol w="1728000"/>
+              </a:tblGrid>
+              <a:tr h="385425">
+                <a:tc>
+                  <a:txBody>
+                    <a:bodyPr vert="horz" lIns="91424" tIns="91424" rIns="91424" bIns="91424" anchor="t" anchorCtr="0"/>
+                    <a:p>
+                      <a:pPr marL="0" lvl="0" indent="0" algn="l" rtl="0">
+                        <a:spcBef>
+                          <a:spcPts val="0"/>
+                        </a:spcBef>
+                        <a:spcAft>
+                          <a:spcPts val="0"/>
+                        </a:spcAft>
+                        <a:buNone/>
+                        <a:defRPr/>
+                      </a:pPr>
+                      <a:r>
+                        <a:rPr lang="ko"/>
+                        <a:t>UI 제목</a:t>
+                      </a:r>
+                      <a:endParaRPr/>
+                    </a:p>
+                  </a:txBody>
+                  <a:tcPr marL="91425" marR="91425" marT="91425" marB="91425"/>
+                </a:tc>
+                <a:tc>
+                  <a:txBody>
+                    <a:bodyPr vert="horz" lIns="91424" tIns="91424" rIns="91424" bIns="91424" anchor="t" anchorCtr="0"/>
+                    <a:p>
+                      <a:pPr marL="0" lvl="0" indent="0" algn="l" rtl="0">
+                        <a:spcBef>
+                          <a:spcPts val="0"/>
+                        </a:spcBef>
+                        <a:spcAft>
+                          <a:spcPts val="0"/>
+                        </a:spcAft>
+                        <a:buNone/>
+                        <a:defRPr/>
+                      </a:pPr>
+                      <a:r>
+                        <a:rPr lang="ko"/>
+                        <a:t>UI ID</a:t>
+                      </a:r>
+                      <a:endParaRPr/>
+                    </a:p>
+                  </a:txBody>
+                  <a:tcPr marL="91425" marR="91425" marT="91425" marB="91425"/>
+                </a:tc>
+                <a:tc>
+                  <a:txBody>
+                    <a:bodyPr vert="horz" lIns="91424" tIns="91424" rIns="91424" bIns="91424" anchor="t" anchorCtr="0"/>
+                    <a:p>
+                      <a:pPr marL="0" lvl="0" indent="0" algn="l" rtl="0">
+                        <a:spcBef>
+                          <a:spcPts val="0"/>
+                        </a:spcBef>
+                        <a:spcAft>
+                          <a:spcPts val="0"/>
+                        </a:spcAft>
+                        <a:buNone/>
+                        <a:defRPr/>
+                      </a:pPr>
+                      <a:r>
+                        <a:rPr lang="ko"/>
+                        <a:t>작성자</a:t>
+                      </a:r>
+                      <a:endParaRPr/>
+                    </a:p>
+                  </a:txBody>
+                  <a:tcPr marL="91425" marR="91425" marT="91425" marB="91425"/>
+                </a:tc>
+                <a:tc>
+                  <a:txBody>
+                    <a:bodyPr vert="horz" lIns="91424" tIns="91424" rIns="91424" bIns="91424" anchor="t" anchorCtr="0"/>
+                    <a:p>
+                      <a:pPr marL="0" lvl="0" indent="0" algn="l" rtl="0">
+                        <a:spcBef>
+                          <a:spcPts val="0"/>
+                        </a:spcBef>
+                        <a:spcAft>
+                          <a:spcPts val="0"/>
+                        </a:spcAft>
+                        <a:buNone/>
+                        <a:defRPr/>
+                      </a:pPr>
+                      <a:r>
+                        <a:rPr lang="ko">
+                          <a:solidFill>
+                            <a:schemeClr val="dk1"/>
+                          </a:solidFill>
+                        </a:rPr>
+                        <a:t>작성 날짜</a:t>
+                      </a:r>
+                      <a:endParaRPr/>
+                    </a:p>
+                  </a:txBody>
+                  <a:tcPr marL="91425" marR="91425" marT="91425" marB="91425"/>
+                </a:tc>
+                <a:tc>
+                  <a:txBody>
+                    <a:bodyPr vert="horz" lIns="91424" tIns="91424" rIns="91424" bIns="91424" anchor="t" anchorCtr="0"/>
+                    <a:p>
+                      <a:pPr marL="0" lvl="0" indent="0" algn="l" rtl="0">
+                        <a:spcBef>
+                          <a:spcPts val="0"/>
+                        </a:spcBef>
+                        <a:spcAft>
+                          <a:spcPts val="0"/>
+                        </a:spcAft>
+                        <a:buNone/>
+                        <a:defRPr/>
+                      </a:pPr>
+                      <a:r>
+                        <a:rPr lang="ko"/>
+                        <a:t>비고</a:t>
+                      </a:r>
+                      <a:endParaRPr/>
+                    </a:p>
+                  </a:txBody>
+                  <a:tcPr marL="91425" marR="91425" marT="91425" marB="91425"/>
+                </a:tc>
+              </a:tr>
+              <a:tr h="385425">
+                <a:tc>
+                  <a:txBody>
+                    <a:bodyPr vert="horz" lIns="91424" tIns="91424" rIns="91424" bIns="91424" anchor="t" anchorCtr="0"/>
+                    <a:p>
+                      <a:pPr marL="0" lvl="0" indent="0" algn="l" rtl="0">
+                        <a:spcBef>
+                          <a:spcPts val="0"/>
+                        </a:spcBef>
+                        <a:spcAft>
+                          <a:spcPts val="0"/>
+                        </a:spcAft>
+                        <a:buNone/>
+                        <a:defRPr/>
+                      </a:pPr>
+                      <a:r>
+                        <a:rPr lang="ko-KR" altLang="en-US"/>
+                        <a:t>게임화면</a:t>
+                      </a:r>
+                      <a:endParaRPr/>
+                    </a:p>
+                  </a:txBody>
+                  <a:tcPr marL="91425" marR="91425" marT="91425" marB="91425"/>
+                </a:tc>
+                <a:tc>
+                  <a:txBody>
+                    <a:bodyPr vert="horz" lIns="91424" tIns="91424" rIns="91424" bIns="91424" anchor="t" anchorCtr="0"/>
+                    <a:p>
+                      <a:pPr marL="0" lvl="0" indent="0" algn="l" rtl="0">
+                        <a:spcBef>
+                          <a:spcPts val="0"/>
+                        </a:spcBef>
+                        <a:spcAft>
+                          <a:spcPts val="0"/>
+                        </a:spcAft>
+                        <a:buNone/>
+                        <a:defRPr/>
+                      </a:pPr>
+                      <a:r>
+                        <a:rPr lang="ko"/>
+                        <a:t>M-0</a:t>
+                      </a:r>
+                      <a:r>
+                        <a:rPr lang="en-US" altLang="ko-KR"/>
+                        <a:t>3</a:t>
+                      </a:r>
+                      <a:endParaRPr lang="en-US" altLang="ko-KR"/>
+                    </a:p>
+                  </a:txBody>
+                  <a:tcPr marL="91425" marR="91425" marT="91425" marB="91425"/>
+                </a:tc>
+                <a:tc>
+                  <a:txBody>
+                    <a:bodyPr vert="horz" lIns="91424" tIns="91424" rIns="91424" bIns="91424" anchor="t" anchorCtr="0"/>
+                    <a:p>
+                      <a:pPr marL="0" lvl="0" indent="0" algn="l" rtl="0">
+                        <a:spcBef>
+                          <a:spcPts val="0"/>
+                        </a:spcBef>
+                        <a:spcAft>
+                          <a:spcPts val="0"/>
+                        </a:spcAft>
+                        <a:buNone/>
+                        <a:defRPr/>
+                      </a:pPr>
+                      <a:r>
+                        <a:rPr lang="ko-KR" altLang="en-US"/>
+                        <a:t>김상훈</a:t>
+                      </a:r>
+                      <a:endParaRPr/>
+                    </a:p>
+                  </a:txBody>
+                  <a:tcPr marL="91425" marR="91425" marT="91425" marB="91425"/>
+                </a:tc>
+                <a:tc>
+                  <a:txBody>
+                    <a:bodyPr vert="horz" lIns="91424" tIns="91424" rIns="91424" bIns="91424" anchor="t" anchorCtr="0"/>
+                    <a:p>
+                      <a:pPr marL="0" lvl="0" indent="0" algn="l" rtl="0">
+                        <a:spcBef>
+                          <a:spcPts val="0"/>
+                        </a:spcBef>
+                        <a:spcAft>
+                          <a:spcPts val="0"/>
+                        </a:spcAft>
+                        <a:buNone/>
+                        <a:defRPr/>
+                      </a:pPr>
+                      <a:r>
+                        <a:rPr lang="ko"/>
+                        <a:t>202</a:t>
+                      </a:r>
+                      <a:r>
+                        <a:rPr lang="en-US" altLang="ko-KR"/>
+                        <a:t>5-04-20</a:t>
+                      </a:r>
+                      <a:endParaRPr lang="en-US" altLang="ko-KR"/>
+                    </a:p>
+                  </a:txBody>
+                  <a:tcPr marL="91425" marR="91425" marT="91425" marB="91425"/>
+                </a:tc>
+                <a:tc rowSpan="3">
+                  <a:txBody>
+                    <a:bodyPr vert="horz" lIns="91424" tIns="91424" rIns="91424" bIns="91424" anchor="t" anchorCtr="0"/>
+                    <a:p>
+                      <a:pPr marL="0" lvl="0" indent="0" algn="l" rtl="0">
+                        <a:spcBef>
+                          <a:spcPts val="0"/>
+                        </a:spcBef>
+                        <a:spcAft>
+                          <a:spcPts val="0"/>
+                        </a:spcAft>
+                        <a:buNone/>
+                        <a:defRPr/>
+                      </a:pPr>
+                      <a:r>
+                        <a:rPr lang="ko" sz="900"/>
+                        <a:t>1</a:t>
+                      </a:r>
+                      <a:r>
+                        <a:rPr lang="en-US" altLang="ko-KR" sz="900"/>
+                        <a:t>.</a:t>
+                      </a:r>
+                      <a:r>
+                        <a:rPr lang="ko-KR" altLang="en-US" sz="900"/>
+                        <a:t> 캐릭터 이미지</a:t>
+                      </a:r>
+                      <a:endParaRPr lang="ko-KR" altLang="en-US" sz="900"/>
+                    </a:p>
+                    <a:p>
+                      <a:pPr marL="0" lvl="0" indent="0" algn="l" rtl="0">
+                        <a:spcBef>
+                          <a:spcPts val="0"/>
+                        </a:spcBef>
+                        <a:spcAft>
+                          <a:spcPts val="0"/>
+                        </a:spcAft>
+                        <a:buNone/>
+                        <a:defRPr/>
+                      </a:pPr>
+                      <a:r>
+                        <a:rPr lang="en-US" altLang="ko-KR" sz="900"/>
+                        <a:t>2. </a:t>
+                      </a:r>
+                      <a:r>
+                        <a:rPr lang="ko-KR" altLang="en-US" sz="900"/>
+                        <a:t>장전된 총알 </a:t>
+                      </a:r>
+                      <a:r>
+                        <a:rPr lang="en-US" altLang="ko-KR" sz="900"/>
+                        <a:t>/</a:t>
+                      </a:r>
+                      <a:r>
+                        <a:rPr lang="ko-KR" altLang="en-US" sz="900"/>
+                        <a:t> 남은 총알</a:t>
+                      </a:r>
+                      <a:endParaRPr lang="ko-KR" altLang="en-US" sz="900"/>
+                    </a:p>
+                    <a:p>
+                      <a:pPr marL="0" lvl="0" indent="0" algn="l" rtl="0">
+                        <a:spcBef>
+                          <a:spcPts val="0"/>
+                        </a:spcBef>
+                        <a:spcAft>
+                          <a:spcPts val="0"/>
+                        </a:spcAft>
+                        <a:buNone/>
+                        <a:defRPr/>
+                      </a:pPr>
+                      <a:endParaRPr lang="ko-KR" altLang="en-US" sz="900"/>
+                    </a:p>
+                    <a:p>
+                      <a:pPr marL="0" lvl="0" indent="0" algn="l" rtl="0">
+                        <a:spcBef>
+                          <a:spcPts val="0"/>
+                        </a:spcBef>
+                        <a:spcAft>
+                          <a:spcPts val="0"/>
+                        </a:spcAft>
+                        <a:buNone/>
+                        <a:defRPr/>
+                      </a:pPr>
+                      <a:r>
+                        <a:rPr lang="ko-KR" altLang="en-US" sz="900" b="1">
+                          <a:solidFill>
+                            <a:srgbClr val="ff0000"/>
+                          </a:solidFill>
+                        </a:rPr>
+                        <a:t>우클릭시 내 캐릭터의 어깨까지 나오고 정조준한 자세가 표시됨</a:t>
+                      </a:r>
+                      <a:endParaRPr lang="ko-KR" altLang="en-US" sz="900" b="1">
+                        <a:solidFill>
+                          <a:srgbClr val="ff0000"/>
+                        </a:solidFill>
+                      </a:endParaRPr>
+                    </a:p>
+                  </a:txBody>
+                  <a:tcPr marL="91425" marR="91425" marT="91425" marB="91425"/>
+                </a:tc>
+              </a:tr>
+              <a:tr h="385425">
+                <a:tc gridSpan="4">
+                  <a:txBody>
+                    <a:bodyPr vert="horz" lIns="91424" tIns="91424" rIns="91424" bIns="91424" anchor="t" anchorCtr="0"/>
+                    <a:p>
+                      <a:pPr marL="0" lvl="0" indent="0" algn="l" rtl="0">
+                        <a:spcBef>
+                          <a:spcPts val="0"/>
+                        </a:spcBef>
+                        <a:spcAft>
+                          <a:spcPts val="0"/>
+                        </a:spcAft>
+                        <a:buNone/>
+                        <a:defRPr/>
+                      </a:pPr>
+                      <a:r>
+                        <a:rPr lang="ko"/>
+                        <a:t>UI 상세</a:t>
+                      </a:r>
+                      <a:endParaRPr/>
+                    </a:p>
+                  </a:txBody>
+                  <a:tcPr marL="91425" marR="91425" marT="91425" marB="91425"/>
+                </a:tc>
+                <a:tc hMerge="1">
+                  <a:txBody>
+                    <a:bodyPr/>
+                    <a:p>
+                      <a:pPr lvl="0">
+                        <a:defRPr/>
+                      </a:pPr>
+                      <a:endParaRPr lang="ko-KR"/>
+                    </a:p>
+                  </a:txBody>
+                  <a:tcPr marL="91440" marR="91440"/>
+                </a:tc>
+                <a:tc hMerge="1">
+                  <a:txBody>
+                    <a:bodyPr/>
+                    <a:p>
+                      <a:pPr lvl="0">
+                        <a:defRPr/>
+                      </a:pPr>
+                      <a:endParaRPr lang="ko-KR"/>
+                    </a:p>
+                  </a:txBody>
+                  <a:tcPr marL="91440" marR="91440"/>
+                </a:tc>
+                <a:tc hMerge="1">
+                  <a:txBody>
+                    <a:bodyPr/>
+                    <a:p>
+                      <a:pPr lvl="0">
+                        <a:defRPr/>
+                      </a:pPr>
+                      <a:endParaRPr lang="ko-KR"/>
+                    </a:p>
+                  </a:txBody>
+                  <a:tcPr marL="91440" marR="91440"/>
+                </a:tc>
+                <a:tc vMerge="1">
+                  <a:txBody>
+                    <a:bodyPr/>
+                    <a:p>
+                      <a:pPr lvl="0">
+                        <a:defRPr/>
+                      </a:pPr>
+                      <a:endParaRPr lang="ko-KR"/>
+                    </a:p>
+                  </a:txBody>
+                  <a:tcPr marL="91440" marR="91440"/>
+                </a:tc>
+              </a:tr>
+              <a:tr h="3519400">
+                <a:tc gridSpan="4">
+                  <a:txBody>
+                    <a:bodyPr vert="horz" lIns="91424" tIns="91424" rIns="91424" bIns="91424" anchor="t" anchorCtr="0"/>
+                    <a:p>
+                      <a:pPr marL="0" lvl="0" indent="0" algn="l" rtl="0">
+                        <a:spcBef>
+                          <a:spcPts val="0"/>
+                        </a:spcBef>
+                        <a:spcAft>
+                          <a:spcPts val="0"/>
+                        </a:spcAft>
+                        <a:buNone/>
+                        <a:defRPr/>
+                      </a:pPr>
+                      <a:endParaRPr/>
+                    </a:p>
+                  </a:txBody>
+                  <a:tcPr marL="91425" marR="91425" marT="91425" marB="91425"/>
+                </a:tc>
+                <a:tc hMerge="1">
+                  <a:txBody>
+                    <a:bodyPr/>
+                    <a:p>
+                      <a:pPr lvl="0">
+                        <a:defRPr/>
+                      </a:pPr>
+                      <a:endParaRPr lang="ko-KR"/>
+                    </a:p>
+                  </a:txBody>
+                  <a:tcPr marL="91440" marR="91440"/>
+                </a:tc>
+                <a:tc hMerge="1">
+                  <a:txBody>
+                    <a:bodyPr/>
+                    <a:p>
+                      <a:pPr lvl="0">
+                        <a:defRPr/>
+                      </a:pPr>
+                      <a:endParaRPr lang="ko-KR"/>
+                    </a:p>
+                  </a:txBody>
+                  <a:tcPr marL="91440" marR="91440"/>
+                </a:tc>
+                <a:tc hMerge="1">
+                  <a:txBody>
+                    <a:bodyPr/>
+                    <a:p>
+                      <a:pPr lvl="0">
+                        <a:defRPr/>
+                      </a:pPr>
+                      <a:endParaRPr lang="ko-KR"/>
+                    </a:p>
+                  </a:txBody>
+                  <a:tcPr marL="91440" marR="91440"/>
+                </a:tc>
+                <a:tc vMerge="1">
+                  <a:txBody>
+                    <a:bodyPr/>
+                    <a:p>
+                      <a:pPr lvl="0">
+                        <a:defRPr/>
+                      </a:pPr>
+                      <a:endParaRPr lang="ko-KR"/>
+                    </a:p>
+                  </a:txBody>
+                  <a:tcPr marL="91440" marR="91440"/>
+                </a:tc>
+              </a:tr>
+            </a:tbl>
+          </a:graphicData>
+        </a:graphic>
+      </p:graphicFrame>
+      <p:sp>
+        <p:nvSpPr>
+          <p:cNvPr id="138" name="Google Shape;138;p23"/>
+          <p:cNvSpPr/>
+          <p:nvPr/>
+        </p:nvSpPr>
+        <p:spPr>
+          <a:xfrm>
+            <a:off x="750675" y="1543075"/>
+            <a:ext cx="5760000" cy="3240000"/>
+          </a:xfrm>
+          <a:prstGeom prst="rect">
+            <a:avLst/>
+          </a:prstGeom>
+          <a:solidFill>
+            <a:srgbClr val="eeeeee"/>
+          </a:solidFill>
+          <a:ln w="9525" cap="flat" cmpd="sng">
+            <a:solidFill>
+              <a:srgbClr val="595959"/>
+            </a:solidFill>
+            <a:prstDash val="solid"/>
+            <a:round/>
+          </a:ln>
+        </p:spPr>
+        <p:txBody>
+          <a:bodyPr wrap="square" lIns="91424" tIns="91424" rIns="91424" bIns="91424" anchor="ctr" anchorCtr="0">
+            <a:noAutofit/>
+          </a:bodyPr>
+          <a:lstStyle/>
+          <a:p>
+            <a:pPr marL="0" lvl="0" indent="0" algn="l" rtl="0">
+              <a:spcBef>
+                <a:spcPts val="0"/>
+              </a:spcBef>
+              <a:spcAft>
+                <a:spcPts val="0"/>
+              </a:spcAft>
+              <a:buNone/>
+              <a:defRPr/>
+            </a:pPr>
+            <a:endParaRPr/>
+          </a:p>
+        </p:txBody>
+      </p:sp>
+      <p:sp>
+        <p:nvSpPr>
+          <p:cNvPr id="139" name=""/>
+          <p:cNvSpPr/>
+          <p:nvPr/>
+        </p:nvSpPr>
+        <p:spPr>
+          <a:xfrm>
+            <a:off x="869646" y="4336484"/>
+            <a:ext cx="378390" cy="352294"/>
+          </a:xfrm>
+          <a:prstGeom prst="rect">
+            <a:avLst/>
+          </a:prstGeom>
+          <a:solidFill>
+            <a:srgbClr val="d9d9d9"/>
+          </a:solidFill>
+          <a:ln>
+            <a:solidFill>
+              <a:srgbClr val="f2f2f2"/>
+            </a:solidFill>
+          </a:ln>
+        </p:spPr>
+        <p:style>
+          <a:lnRef idx="2">
+            <a:schemeClr val="accent1">
+              <a:shade val="20000"/>
+            </a:schemeClr>
+          </a:lnRef>
+          <a:fillRef idx="1">
+            <a:schemeClr val="accent1"/>
+          </a:fillRef>
+          <a:effectRef idx="0">
+            <a:schemeClr val="accent1"/>
+          </a:effectRef>
+          <a:fontRef idx="minor">
+            <a:schemeClr val="lt1"/>
+          </a:fontRef>
+        </p:style>
+        <p:txBody>
+          <a:bodyPr anchor="ctr"/>
+          <a:p>
+            <a:pPr algn="ctr">
+              <a:defRPr/>
+            </a:pPr>
+            <a:r>
+              <a:rPr lang="en-US" altLang="ko-KR">
+                <a:solidFill>
+                  <a:schemeClr val="tx1"/>
+                </a:solidFill>
+              </a:rPr>
+              <a:t>1</a:t>
+            </a:r>
+            <a:endParaRPr lang="en-US" altLang="ko-KR">
+              <a:solidFill>
+                <a:schemeClr val="tx1"/>
+              </a:solidFill>
+            </a:endParaRPr>
+          </a:p>
+        </p:txBody>
+      </p:sp>
+      <p:sp>
+        <p:nvSpPr>
+          <p:cNvPr id="140" name=""/>
+          <p:cNvSpPr/>
+          <p:nvPr/>
+        </p:nvSpPr>
+        <p:spPr>
+          <a:xfrm>
+            <a:off x="1263433" y="4377976"/>
+            <a:ext cx="854640" cy="306626"/>
+          </a:xfrm>
+          <a:prstGeom prst="rect">
+            <a:avLst/>
+          </a:prstGeom>
+          <a:solidFill>
+            <a:srgbClr val="289b6e"/>
+          </a:solidFill>
+          <a:ln>
+            <a:solidFill>
+              <a:srgbClr val="f2f2f2"/>
+            </a:solidFill>
+          </a:ln>
+        </p:spPr>
+        <p:style>
+          <a:lnRef idx="2">
+            <a:schemeClr val="accent1">
+              <a:shade val="20000"/>
+            </a:schemeClr>
+          </a:lnRef>
+          <a:fillRef idx="1">
+            <a:schemeClr val="accent1"/>
+          </a:fillRef>
+          <a:effectRef idx="0">
+            <a:schemeClr val="accent1"/>
+          </a:effectRef>
+          <a:fontRef idx="minor">
+            <a:schemeClr val="lt1"/>
+          </a:fontRef>
+        </p:style>
+        <p:txBody>
+          <a:bodyPr anchor="ctr"/>
+          <a:lstStyle/>
+          <a:p>
+            <a:pPr algn="ctr">
+              <a:defRPr/>
+            </a:pPr>
+            <a:r>
+              <a:rPr lang="ko-KR" altLang="en-US" sz="1200">
+                <a:solidFill>
+                  <a:schemeClr val="tx1"/>
+                </a:solidFill>
+              </a:rPr>
+              <a:t>체력</a:t>
+            </a:r>
+            <a:r>
+              <a:rPr lang="en-US" altLang="ko-KR" sz="1200">
+                <a:solidFill>
+                  <a:schemeClr val="tx1"/>
+                </a:solidFill>
+              </a:rPr>
+              <a:t>/</a:t>
+            </a:r>
+            <a:r>
+              <a:rPr lang="ko-KR" altLang="en-US" sz="1200">
+                <a:solidFill>
+                  <a:schemeClr val="tx1"/>
+                </a:solidFill>
+              </a:rPr>
+              <a:t>체력</a:t>
+            </a:r>
+            <a:endParaRPr lang="ko-KR" altLang="en-US" sz="1200">
+              <a:solidFill>
+                <a:schemeClr val="tx1"/>
+              </a:solidFill>
+            </a:endParaRPr>
+          </a:p>
+        </p:txBody>
+      </p:sp>
+      <p:sp>
+        <p:nvSpPr>
+          <p:cNvPr id="142" name=""/>
+          <p:cNvSpPr/>
+          <p:nvPr/>
+        </p:nvSpPr>
+        <p:spPr>
+          <a:xfrm>
+            <a:off x="1194931" y="2137905"/>
+            <a:ext cx="495821" cy="1454846"/>
+          </a:xfrm>
+          <a:prstGeom prst="ellipse">
+            <a:avLst/>
+          </a:prstGeom>
+          <a:solidFill>
+            <a:srgbClr val="bfbfbf"/>
+          </a:solidFill>
+          <a:ln>
+            <a:solidFill>
+              <a:srgbClr val="f2f2f2"/>
+            </a:solidFill>
+          </a:ln>
+        </p:spPr>
+        <p:style>
+          <a:lnRef idx="2">
+            <a:schemeClr val="accent1">
+              <a:shade val="20000"/>
+            </a:schemeClr>
+          </a:lnRef>
+          <a:fillRef idx="1">
+            <a:schemeClr val="accent1"/>
+          </a:fillRef>
+          <a:effectRef idx="0">
+            <a:schemeClr val="accent1"/>
+          </a:effectRef>
+          <a:fontRef idx="minor">
+            <a:schemeClr val="lt1"/>
+          </a:fontRef>
+        </p:style>
+        <p:txBody>
+          <a:bodyPr anchor="ctr"/>
+          <a:lstStyle/>
+          <a:p>
+            <a:pPr algn="ctr">
+              <a:defRPr/>
+            </a:pPr>
+            <a:r>
+              <a:rPr lang="ko-KR" altLang="en-US">
+                <a:solidFill>
+                  <a:srgbClr val="ff0000"/>
+                </a:solidFill>
+              </a:rPr>
+              <a:t>적</a:t>
+            </a:r>
+            <a:endParaRPr lang="ko-KR" altLang="en-US">
+              <a:solidFill>
+                <a:srgbClr val="ff0000"/>
+              </a:solidFill>
+            </a:endParaRPr>
+          </a:p>
+        </p:txBody>
+      </p:sp>
+      <p:sp>
+        <p:nvSpPr>
+          <p:cNvPr id="143" name=""/>
+          <p:cNvSpPr/>
+          <p:nvPr/>
+        </p:nvSpPr>
+        <p:spPr>
+          <a:xfrm>
+            <a:off x="2502074" y="1611812"/>
+            <a:ext cx="495821" cy="1454846"/>
+          </a:xfrm>
+          <a:prstGeom prst="ellipse">
+            <a:avLst/>
+          </a:prstGeom>
+          <a:solidFill>
+            <a:srgbClr val="bfbfbf"/>
+          </a:solidFill>
+          <a:ln>
+            <a:solidFill>
+              <a:srgbClr val="f2f2f2"/>
+            </a:solidFill>
+          </a:ln>
+        </p:spPr>
+        <p:style>
+          <a:lnRef idx="2">
+            <a:schemeClr val="accent1">
+              <a:shade val="20000"/>
+            </a:schemeClr>
+          </a:lnRef>
+          <a:fillRef idx="1">
+            <a:schemeClr val="accent1"/>
+          </a:fillRef>
+          <a:effectRef idx="0">
+            <a:schemeClr val="accent1"/>
+          </a:effectRef>
+          <a:fontRef idx="minor">
+            <a:schemeClr val="lt1"/>
+          </a:fontRef>
+        </p:style>
+        <p:txBody>
+          <a:bodyPr anchor="ctr"/>
+          <a:lstStyle/>
+          <a:p>
+            <a:pPr algn="ctr">
+              <a:defRPr/>
+            </a:pPr>
+            <a:r>
+              <a:rPr lang="ko-KR" altLang="en-US">
+                <a:solidFill>
+                  <a:srgbClr val="ff0000"/>
+                </a:solidFill>
+              </a:rPr>
+              <a:t>적</a:t>
+            </a:r>
+            <a:endParaRPr lang="ko-KR" altLang="en-US">
+              <a:solidFill>
+                <a:srgbClr val="ff0000"/>
+              </a:solidFill>
+            </a:endParaRPr>
+          </a:p>
+        </p:txBody>
+      </p:sp>
+      <p:sp>
+        <p:nvSpPr>
+          <p:cNvPr id="144" name=""/>
+          <p:cNvSpPr/>
+          <p:nvPr/>
+        </p:nvSpPr>
+        <p:spPr>
+          <a:xfrm>
+            <a:off x="5163854" y="2068490"/>
+            <a:ext cx="495821" cy="1454846"/>
+          </a:xfrm>
+          <a:prstGeom prst="ellipse">
+            <a:avLst/>
+          </a:prstGeom>
+          <a:solidFill>
+            <a:srgbClr val="bfbfbf"/>
+          </a:solidFill>
+          <a:ln>
+            <a:solidFill>
+              <a:srgbClr val="f2f2f2"/>
+            </a:solidFill>
+          </a:ln>
+        </p:spPr>
+        <p:style>
+          <a:lnRef idx="2">
+            <a:schemeClr val="accent1">
+              <a:shade val="20000"/>
+            </a:schemeClr>
+          </a:lnRef>
+          <a:fillRef idx="1">
+            <a:schemeClr val="accent1"/>
+          </a:fillRef>
+          <a:effectRef idx="0">
+            <a:schemeClr val="accent1"/>
+          </a:effectRef>
+          <a:fontRef idx="minor">
+            <a:schemeClr val="lt1"/>
+          </a:fontRef>
+        </p:style>
+        <p:txBody>
+          <a:bodyPr anchor="ctr"/>
+          <a:lstStyle/>
+          <a:p>
+            <a:pPr algn="ctr">
+              <a:defRPr/>
+            </a:pPr>
+            <a:r>
+              <a:rPr lang="ko-KR" altLang="en-US">
+                <a:solidFill>
+                  <a:srgbClr val="ff0000"/>
+                </a:solidFill>
+              </a:rPr>
+              <a:t>적</a:t>
+            </a:r>
+            <a:endParaRPr lang="ko-KR" altLang="en-US">
+              <a:solidFill>
+                <a:srgbClr val="ff0000"/>
+              </a:solidFill>
+            </a:endParaRPr>
+          </a:p>
+        </p:txBody>
+      </p:sp>
+      <p:sp>
+        <p:nvSpPr>
+          <p:cNvPr id="145" name=""/>
+          <p:cNvSpPr/>
+          <p:nvPr/>
+        </p:nvSpPr>
+        <p:spPr>
+          <a:xfrm>
+            <a:off x="5901697" y="4295326"/>
+            <a:ext cx="378390" cy="352294"/>
+          </a:xfrm>
+          <a:prstGeom prst="rect">
+            <a:avLst/>
+          </a:prstGeom>
+          <a:solidFill>
+            <a:srgbClr val="d9d9d9"/>
+          </a:solidFill>
+          <a:ln>
+            <a:solidFill>
+              <a:srgbClr val="f2f2f2"/>
+            </a:solidFill>
+          </a:ln>
+        </p:spPr>
+        <p:style>
+          <a:lnRef idx="2">
+            <a:schemeClr val="accent1">
+              <a:shade val="20000"/>
+            </a:schemeClr>
+          </a:lnRef>
+          <a:fillRef idx="1">
+            <a:schemeClr val="accent1"/>
+          </a:fillRef>
+          <a:effectRef idx="0">
+            <a:schemeClr val="accent1"/>
+          </a:effectRef>
+          <a:fontRef idx="minor">
+            <a:schemeClr val="lt1"/>
+          </a:fontRef>
+        </p:style>
+        <p:txBody>
+          <a:bodyPr anchor="ctr"/>
+          <a:lstStyle/>
+          <a:p>
+            <a:pPr algn="ctr">
+              <a:defRPr/>
+            </a:pPr>
+            <a:r>
+              <a:rPr lang="en-US" altLang="ko-KR">
+                <a:solidFill>
+                  <a:schemeClr val="tx1"/>
+                </a:solidFill>
+              </a:rPr>
+              <a:t>2</a:t>
+            </a:r>
+            <a:endParaRPr lang="en-US" altLang="ko-KR">
+              <a:solidFill>
+                <a:schemeClr val="tx1"/>
+              </a:solidFill>
+            </a:endParaRPr>
+          </a:p>
+        </p:txBody>
+      </p:sp>
+      <p:sp>
+        <p:nvSpPr>
+          <p:cNvPr id="146" name=""/>
+          <p:cNvSpPr/>
+          <p:nvPr/>
+        </p:nvSpPr>
+        <p:spPr>
+          <a:xfrm>
+            <a:off x="3695332" y="3669136"/>
+            <a:ext cx="1086258" cy="1025942"/>
+          </a:xfrm>
+          <a:prstGeom prst="ellipse">
+            <a:avLst/>
+          </a:prstGeom>
+          <a:solidFill>
+            <a:srgbClr val="bfbfbf"/>
+          </a:solidFill>
+          <a:ln>
+            <a:solidFill>
+              <a:srgbClr val="f2f2f2"/>
+            </a:solidFill>
+          </a:ln>
+        </p:spPr>
+        <p:style>
+          <a:lnRef idx="2">
+            <a:schemeClr val="accent1">
+              <a:shade val="20000"/>
+            </a:schemeClr>
+          </a:lnRef>
+          <a:fillRef idx="1">
+            <a:schemeClr val="accent1"/>
+          </a:fillRef>
+          <a:effectRef idx="0">
+            <a:schemeClr val="accent1"/>
+          </a:effectRef>
+          <a:fontRef idx="minor">
+            <a:schemeClr val="lt1"/>
+          </a:fontRef>
+        </p:style>
+        <p:txBody>
+          <a:bodyPr anchor="ctr"/>
+          <a:lstStyle/>
+          <a:p>
+            <a:pPr algn="ctr">
+              <a:defRPr/>
+            </a:pPr>
+            <a:r>
+              <a:rPr lang="ko-KR" altLang="en-US">
+                <a:solidFill>
+                  <a:schemeClr val="tx1"/>
+                </a:solidFill>
+              </a:rPr>
+              <a:t>내 캐릭터</a:t>
+            </a:r>
+            <a:endParaRPr lang="ko-KR" altLang="en-US">
+              <a:solidFill>
+                <a:schemeClr val="tx1"/>
+              </a:solidFill>
+            </a:endParaRPr>
+          </a:p>
+        </p:txBody>
+      </p:sp>
+    </p:spTree>
+  </p:cSld>
+  <p:clrMapOvr>
+    <a:masterClrMapping/>
+  </p:clrMapOvr>
+  <mc:AlternateContent xmlns:mc="http://schemas.openxmlformats.org/markup-compatibility/2006">
+    <mc:Choice xmlns:p14="http://schemas.microsoft.com/office/powerpoint/2010/main" Requires="p14">
+      <p:transition xmlns:mc="http://schemas.openxmlformats.org/markup-compatibility/2006" xmlns:p14="http://schemas.microsoft.com/office/powerpoint/2010/main" mc:Ignorable="p14" p14:dur="500"/>
+    </mc:Choice>
+    <mc:Fallback>
+      <p:transition/>
+    </mc:Fallback>
+  </mc:AlternateContent>
+</p:sld>
+</file>
+
+<file path=ppt/slides/slide12.xml><?xml version="1.0" encoding="utf-8"?>
+<p:sld xmlns:r="http://schemas.openxmlformats.org/officeDocument/2006/relationships" xmlns:c="http://schemas.openxmlformats.org/drawingml/2006/chart" xmlns:a="http://schemas.openxmlformats.org/drawingml/2006/main" xmlns:dgm="http://schemas.openxmlformats.org/drawingml/2006/diagram" xmlns:dsp="http://schemas.microsoft.com/office/drawing/2008/diagram" xmlns:p="http://schemas.openxmlformats.org/presentationml/2006/main">
+  <p:cSld>
+    <p:spTree>
+      <p:nvGrpSpPr>
+        <p:cNvPr id="1" name=""/>
+        <p:cNvGrpSpPr/>
+        <p:nvPr/>
+      </p:nvGrpSpPr>
+      <p:grpSpPr>
+        <a:xfrm>
+          <a:off x="0" y="0"/>
+          <a:ext cx="0" cy="0"/>
+          <a:chOff x="0" y="0"/>
+          <a:chExt cx="0" cy="0"/>
+        </a:xfrm>
+      </p:grpSpPr>
       <p:sp>
         <p:nvSpPr>
           <p:cNvPr id="208" name="Google Shape;208;p27"/>
@@ -6820,7 +9072,7 @@
 </p:sld>
 </file>
 
-<file path=ppt/slides/slide11.xml><?xml version="1.0" encoding="utf-8"?>
+<file path=ppt/slides/slide13.xml><?xml version="1.0" encoding="utf-8"?>
 <p:sld xmlns:r="http://schemas.openxmlformats.org/officeDocument/2006/relationships" xmlns:c="http://schemas.openxmlformats.org/drawingml/2006/chart" xmlns:a="http://schemas.openxmlformats.org/drawingml/2006/main" xmlns:dgm="http://schemas.openxmlformats.org/drawingml/2006/diagram" xmlns:dsp="http://schemas.microsoft.com/office/drawing/2008/diagram" xmlns:p="http://schemas.openxmlformats.org/presentationml/2006/main">
   <p:cSld>
     <p:spTree>
@@ -8071,7 +10323,11 @@
                         <a:buNone/>
                         <a:defRPr/>
                       </a:pPr>
-                      <a:endParaRPr lang="en-US"/>
+                      <a:r>
+                        <a:rPr lang="en-US" altLang="ko-KR"/>
+                        <a:t>2025-04-16</a:t>
+                      </a:r>
+                      <a:endParaRPr lang="en-US" altLang="ko-KR"/>
                     </a:p>
                   </a:txBody>
                   <a:tcPr marL="91425" marR="91425" marT="91425" marB="91425"/>
@@ -8090,6 +10346,18 @@
                         <a:buNone/>
                         <a:defRPr/>
                       </a:pPr>
+                      <a:r>
+                        <a:rPr lang="ko-KR" altLang="en-US"/>
+                        <a:t>게임화면 </a:t>
+                      </a:r>
+                      <a:r>
+                        <a:rPr lang="en-US" altLang="ko-KR"/>
+                        <a:t>UI</a:t>
+                      </a:r>
+                      <a:r>
+                        <a:rPr lang="ko-KR" altLang="en-US"/>
+                        <a:t> 수정</a:t>
+                      </a:r>
                       <a:endParaRPr lang="ko-KR" altLang="en-US"/>
                     </a:p>
                   </a:txBody>
@@ -8109,6 +10377,10 @@
                         <a:buNone/>
                         <a:defRPr/>
                       </a:pPr>
+                      <a:r>
+                        <a:rPr lang="ko-KR" altLang="en-US"/>
+                        <a:t>김상훈</a:t>
+                      </a:r>
                       <a:endParaRPr lang="ko-KR" altLang="en-US"/>
                     </a:p>
                   </a:txBody>
@@ -8128,6 +10400,10 @@
                         <a:buNone/>
                         <a:defRPr/>
                       </a:pPr>
+                      <a:r>
+                        <a:rPr lang="ko-KR" altLang="en-US"/>
+                        <a:t>잔탄 표시 추가</a:t>
+                      </a:r>
                       <a:endParaRPr lang="ko-KR" altLang="en-US"/>
                     </a:p>
                   </a:txBody>
@@ -8149,7 +10425,11 @@
                         <a:buNone/>
                         <a:defRPr/>
                       </a:pPr>
-                      <a:endParaRPr/>
+                      <a:r>
+                        <a:rPr lang="en-US" altLang="ko-KR"/>
+                        <a:t>2025-04-20</a:t>
+                      </a:r>
+                      <a:endParaRPr lang="en-US" altLang="ko-KR"/>
                     </a:p>
                   </a:txBody>
                   <a:tcPr marL="91425" marR="91425" marT="91425" marB="91425"/>
@@ -8168,7 +10448,19 @@
                         <a:buNone/>
                         <a:defRPr/>
                       </a:pPr>
-                      <a:endParaRPr/>
+                      <a:r>
+                        <a:rPr lang="ko-KR" altLang="en-US"/>
+                        <a:t>게임화면 </a:t>
+                      </a:r>
+                      <a:r>
+                        <a:rPr lang="en-US" altLang="ko-KR"/>
+                        <a:t>UI</a:t>
+                      </a:r>
+                      <a:r>
+                        <a:rPr lang="ko-KR" altLang="en-US"/>
+                        <a:t> 수정</a:t>
+                      </a:r>
+                      <a:endParaRPr lang="ko-KR" altLang="en-US"/>
                     </a:p>
                   </a:txBody>
                   <a:tcPr marL="91425" marR="91425" marT="91425" marB="91425"/>
@@ -8187,7 +10479,11 @@
                         <a:buNone/>
                         <a:defRPr/>
                       </a:pPr>
-                      <a:endParaRPr/>
+                      <a:r>
+                        <a:rPr lang="ko-KR" altLang="en-US"/>
+                        <a:t>김상훈</a:t>
+                      </a:r>
+                      <a:endParaRPr lang="ko-KR" altLang="en-US"/>
                     </a:p>
                   </a:txBody>
                   <a:tcPr marL="91425" marR="91425" marT="91425" marB="91425"/>
@@ -8206,7 +10502,31 @@
                         <a:buNone/>
                         <a:defRPr/>
                       </a:pPr>
-                      <a:endParaRPr/>
+                      <a:r>
+                        <a:rPr lang="en-US" altLang="ko-KR"/>
+                        <a:t>1</a:t>
+                      </a:r>
+                      <a:r>
+                        <a:rPr lang="ko-KR" altLang="en-US"/>
+                        <a:t>인칭 </a:t>
+                      </a:r>
+                      <a:r>
+                        <a:rPr lang="en-US" altLang="ko-KR"/>
+                        <a:t>-&gt;</a:t>
+                      </a:r>
+                      <a:r>
+                        <a:rPr lang="ko-KR" altLang="en-US"/>
+                        <a:t> </a:t>
+                      </a:r>
+                      <a:r>
+                        <a:rPr lang="en-US" altLang="ko-KR"/>
+                        <a:t>3</a:t>
+                      </a:r>
+                      <a:r>
+                        <a:rPr lang="ko-KR" altLang="en-US"/>
+                        <a:t>인칭</a:t>
+                      </a:r>
+                      <a:endParaRPr lang="ko-KR" altLang="en-US"/>
                     </a:p>
                   </a:txBody>
                   <a:tcPr marL="91425" marR="91425" marT="91425" marB="91425"/>
@@ -11400,7 +13720,7 @@
                       </a:r>
                       <a:r>
                         <a:rPr lang="en-US" altLang="ko-KR"/>
-                        <a:t>5-04-05</a:t>
+                        <a:t>5-04-16</a:t>
                       </a:r>
                       <a:endParaRPr lang="en-US" altLang="ko-KR"/>
                     </a:p>
@@ -11432,6 +13752,77 @@
                       <a:r>
                         <a:rPr lang="ko-KR" altLang="en-US" sz="900"/>
                         <a:t> 캐릭터 이미지</a:t>
+                      </a:r>
+                      <a:endParaRPr lang="ko-KR" altLang="en-US" sz="900"/>
+                    </a:p>
+                    <a:p>
+                      <a:pPr marL="0" lvl="0" indent="0" algn="l" rtl="0">
+                        <a:spcBef>
+                          <a:spcPts val="0"/>
+                        </a:spcBef>
+                        <a:spcAft>
+                          <a:spcPts val="0"/>
+                        </a:spcAft>
+                        <a:buNone/>
+                        <a:defRPr/>
+                      </a:pPr>
+                      <a:r>
+                        <a:rPr lang="en-US" altLang="ko-KR" sz="900"/>
+                        <a:t>2. </a:t>
+                      </a:r>
+                      <a:r>
+                        <a:rPr lang="ko-KR" altLang="en-US" sz="900"/>
+                        <a:t>장전된 총알 </a:t>
+                      </a:r>
+                      <a:r>
+                        <a:rPr lang="en-US" altLang="ko-KR" sz="900"/>
+                        <a:t>/</a:t>
+                      </a:r>
+                      <a:r>
+                        <a:rPr lang="ko-KR" altLang="en-US" sz="900"/>
+                        <a:t> 남은 총알</a:t>
+                      </a:r>
+                      <a:endParaRPr lang="ko-KR" altLang="en-US" sz="900"/>
+                    </a:p>
+                    <a:p>
+                      <a:pPr marL="0" lvl="0" indent="0" algn="l" rtl="0">
+                        <a:spcBef>
+                          <a:spcPts val="0"/>
+                        </a:spcBef>
+                        <a:spcAft>
+                          <a:spcPts val="0"/>
+                        </a:spcAft>
+                        <a:buNone/>
+                        <a:defRPr/>
+                      </a:pPr>
+                      <a:endParaRPr lang="ko-KR" altLang="en-US" sz="900"/>
+                    </a:p>
+                    <a:p>
+                      <a:pPr marL="0" lvl="0" indent="0" algn="l" rtl="0">
+                        <a:spcBef>
+                          <a:spcPts val="0"/>
+                        </a:spcBef>
+                        <a:spcAft>
+                          <a:spcPts val="0"/>
+                        </a:spcAft>
+                        <a:buNone/>
+                        <a:defRPr/>
+                      </a:pPr>
+                      <a:r>
+                        <a:rPr lang="en-US" altLang="ko-KR" sz="900"/>
+                        <a:t>1</a:t>
+                      </a:r>
+                      <a:r>
+                        <a:rPr lang="ko-KR" altLang="en-US" sz="900"/>
+                        <a:t>인칭으로 개발하려했으나 자료 부족으로 </a:t>
+                      </a:r>
+                      <a:r>
+                        <a:rPr lang="en-US" altLang="ko-KR" sz="900"/>
+                        <a:t>3</a:t>
+                      </a:r>
+                      <a:r>
+                        <a:rPr lang="ko-KR" altLang="en-US" sz="900"/>
+                        <a:t>인칭으로 개발</a:t>
                       </a:r>
                       <a:endParaRPr lang="ko-KR" altLang="en-US" sz="900"/>
                     </a:p>
@@ -12011,6 +14402,68 @@
             <a:endParaRPr lang="ko-KR" altLang="en-US">
               <a:solidFill>
                 <a:srgbClr val="ff0000"/>
+              </a:solidFill>
+            </a:endParaRPr>
+          </a:p>
+        </p:txBody>
+      </p:sp>
+      <p:sp>
+        <p:nvSpPr>
+          <p:cNvPr id="145" name=""/>
+          <p:cNvSpPr/>
+          <p:nvPr/>
+        </p:nvSpPr>
+        <p:spPr>
+          <a:xfrm>
+            <a:off x="5901697" y="4295326"/>
+            <a:ext cx="378390" cy="352294"/>
+          </a:xfrm>
+          <a:prstGeom prst="rect">
+            <a:avLst/>
+          </a:prstGeom>
+          <a:solidFill>
+            <a:srgbClr val="d9d9d9"/>
+          </a:solidFill>
+          <a:ln>
+            <a:solidFill>
+              <a:srgbClr val="f2f2f2"/>
+            </a:solidFill>
+          </a:ln>
+        </p:spPr>
+        <p:style>
+          <a:lnRef idx="2">
+            <a:schemeClr val="accent1">
+              <a:shade val="20000"/>
+            </a:schemeClr>
+          </a:lnRef>
+          <a:fillRef idx="1">
+            <a:schemeClr val="accent1"/>
+          </a:fillRef>
+          <a:effectRef idx="0">
+            <a:schemeClr val="accent1"/>
+          </a:effectRef>
+          <a:fontRef idx="minor">
+            <a:schemeClr val="lt1"/>
+          </a:fontRef>
+        </p:style>
+        <p:txBody>
+          <a:bodyPr anchor="ctr"/>
+          <a:lstStyle/>
+          <a:p>
+            <a:pPr algn="ctr">
+              <a:defRPr/>
+            </a:pPr>
+            <a:r>
+              <a:rPr lang="en-US" altLang="ko-KR">
+                <a:solidFill>
+                  <a:schemeClr val="tx1"/>
+                </a:solidFill>
+              </a:rPr>
+              <a:t>2</a:t>
+            </a:r>
+            <a:endParaRPr lang="en-US" altLang="ko-KR">
+              <a:solidFill>
+                <a:schemeClr val="tx1"/>
               </a:solidFill>
             </a:endParaRPr>
           </a:p>
